--- a/IHP_2024/明治大の現状報告20240624.pptx
+++ b/IHP_2024/明治大の現状報告20240624.pptx
@@ -5,7 +5,7 @@
     <p:sldMasterId id="2147483648" r:id="rId1"/>
   </p:sldMasterIdLst>
   <p:notesMasterIdLst>
-    <p:notesMasterId r:id="rId10"/>
+    <p:notesMasterId r:id="rId12"/>
   </p:notesMasterIdLst>
   <p:sldIdLst>
     <p:sldId id="256" r:id="rId2"/>
@@ -16,6 +16,8 @@
     <p:sldId id="261" r:id="rId7"/>
     <p:sldId id="262" r:id="rId8"/>
     <p:sldId id="263" r:id="rId9"/>
+    <p:sldId id="264" r:id="rId10"/>
+    <p:sldId id="265" r:id="rId11"/>
   </p:sldIdLst>
   <p:sldSz cx="12192000" cy="6858000"/>
   <p:notesSz cx="6858000" cy="9144000"/>
@@ -4875,6 +4877,258 @@
 </p:sld>
 </file>
 
+<file path=ppt/slides/slide10.xml><?xml version="1.0" encoding="utf-8"?>
+<p:sld xmlns:a="http://schemas.openxmlformats.org/drawingml/2006/main" xmlns:r="http://schemas.openxmlformats.org/officeDocument/2006/relationships" xmlns:p="http://schemas.openxmlformats.org/presentationml/2006/main">
+  <p:cSld>
+    <p:spTree>
+      <p:nvGrpSpPr>
+        <p:cNvPr id="1" name=""/>
+        <p:cNvGrpSpPr/>
+        <p:nvPr/>
+      </p:nvGrpSpPr>
+      <p:grpSpPr>
+        <a:xfrm>
+          <a:off x="0" y="0"/>
+          <a:ext cx="0" cy="0"/>
+          <a:chOff x="0" y="0"/>
+          <a:chExt cx="0" cy="0"/>
+        </a:xfrm>
+      </p:grpSpPr>
+      <p:sp>
+        <p:nvSpPr>
+          <p:cNvPr id="2" name="タイトル 1">
+            <a:extLst>
+              <a:ext uri="{FF2B5EF4-FFF2-40B4-BE49-F238E27FC236}">
+                <a16:creationId xmlns:a16="http://schemas.microsoft.com/office/drawing/2014/main" id="{F7761F67-023E-A623-CE22-5CE89F15FA85}"/>
+              </a:ext>
+            </a:extLst>
+          </p:cNvPr>
+          <p:cNvSpPr>
+            <a:spLocks noGrp="1"/>
+          </p:cNvSpPr>
+          <p:nvPr>
+            <p:ph type="title"/>
+          </p:nvPr>
+        </p:nvSpPr>
+        <p:spPr/>
+        <p:txBody>
+          <a:bodyPr/>
+          <a:lstStyle/>
+          <a:p>
+            <a:r>
+              <a:rPr kumimoji="1" lang="ja-JP" altLang="en-US" dirty="0"/>
+              <a:t>まとめ</a:t>
+            </a:r>
+          </a:p>
+        </p:txBody>
+      </p:sp>
+      <p:sp>
+        <p:nvSpPr>
+          <p:cNvPr id="3" name="日付プレースホルダー 2">
+            <a:extLst>
+              <a:ext uri="{FF2B5EF4-FFF2-40B4-BE49-F238E27FC236}">
+                <a16:creationId xmlns:a16="http://schemas.microsoft.com/office/drawing/2014/main" id="{FAD13A38-1B9F-1A50-6EC9-18FFDDF0F8FC}"/>
+              </a:ext>
+            </a:extLst>
+          </p:cNvPr>
+          <p:cNvSpPr>
+            <a:spLocks noGrp="1"/>
+          </p:cNvSpPr>
+          <p:nvPr>
+            <p:ph type="dt" sz="half" idx="10"/>
+          </p:nvPr>
+        </p:nvSpPr>
+        <p:spPr/>
+        <p:txBody>
+          <a:bodyPr/>
+          <a:lstStyle/>
+          <a:p>
+            <a:fld id="{EEA6A375-72BC-45FC-83AA-00EA8839FC12}" type="datetime1">
+              <a:rPr kumimoji="1" lang="ja-JP" altLang="en-US" smtClean="0"/>
+              <a:t>2024/6/23</a:t>
+            </a:fld>
+            <a:endParaRPr kumimoji="1" lang="ja-JP" altLang="en-US"/>
+          </a:p>
+        </p:txBody>
+      </p:sp>
+      <p:sp>
+        <p:nvSpPr>
+          <p:cNvPr id="4" name="スライド番号プレースホルダー 3">
+            <a:extLst>
+              <a:ext uri="{FF2B5EF4-FFF2-40B4-BE49-F238E27FC236}">
+                <a16:creationId xmlns:a16="http://schemas.microsoft.com/office/drawing/2014/main" id="{F8A1340F-CCDD-2CD9-3864-EFD72BB79E9D}"/>
+              </a:ext>
+            </a:extLst>
+          </p:cNvPr>
+          <p:cNvSpPr>
+            <a:spLocks noGrp="1"/>
+          </p:cNvSpPr>
+          <p:nvPr>
+            <p:ph type="sldNum" sz="quarter" idx="12"/>
+          </p:nvPr>
+        </p:nvSpPr>
+        <p:spPr/>
+        <p:txBody>
+          <a:bodyPr/>
+          <a:lstStyle/>
+          <a:p>
+            <a:fld id="{6294761A-CFE9-4878-87A7-90ECABD59CE5}" type="slidenum">
+              <a:rPr kumimoji="1" lang="ja-JP" altLang="en-US" smtClean="0"/>
+              <a:t>10</a:t>
+            </a:fld>
+            <a:endParaRPr kumimoji="1" lang="ja-JP" altLang="en-US"/>
+          </a:p>
+        </p:txBody>
+      </p:sp>
+      <p:sp>
+        <p:nvSpPr>
+          <p:cNvPr id="5" name="フッター プレースホルダー 4">
+            <a:extLst>
+              <a:ext uri="{FF2B5EF4-FFF2-40B4-BE49-F238E27FC236}">
+                <a16:creationId xmlns:a16="http://schemas.microsoft.com/office/drawing/2014/main" id="{ECEFC0AF-7006-739D-68F7-C83CF9A7552E}"/>
+              </a:ext>
+            </a:extLst>
+          </p:cNvPr>
+          <p:cNvSpPr>
+            <a:spLocks noGrp="1"/>
+          </p:cNvSpPr>
+          <p:nvPr>
+            <p:ph type="ftr" sz="quarter" idx="3"/>
+          </p:nvPr>
+        </p:nvSpPr>
+        <p:spPr/>
+        <p:txBody>
+          <a:bodyPr/>
+          <a:lstStyle/>
+          <a:p>
+            <a:r>
+              <a:rPr lang="en-US" altLang="ja-JP"/>
+              <a:t>Wave Signal Processing Circuit Laboratory,  Meiji University</a:t>
+            </a:r>
+            <a:endParaRPr lang="en-US" altLang="ja-JP" dirty="0"/>
+          </a:p>
+        </p:txBody>
+      </p:sp>
+      <p:sp>
+        <p:nvSpPr>
+          <p:cNvPr id="6" name="テキスト ボックス 5">
+            <a:extLst>
+              <a:ext uri="{FF2B5EF4-FFF2-40B4-BE49-F238E27FC236}">
+                <a16:creationId xmlns:a16="http://schemas.microsoft.com/office/drawing/2014/main" id="{2A556D2F-231D-7068-2587-C8A56BB556EA}"/>
+              </a:ext>
+            </a:extLst>
+          </p:cNvPr>
+          <p:cNvSpPr txBox="1"/>
+          <p:nvPr/>
+        </p:nvSpPr>
+        <p:spPr>
+          <a:xfrm>
+            <a:off x="2178423" y="2801317"/>
+            <a:ext cx="7270377" cy="1938992"/>
+          </a:xfrm>
+          <a:prstGeom prst="rect">
+            <a:avLst/>
+          </a:prstGeom>
+          <a:noFill/>
+        </p:spPr>
+        <p:txBody>
+          <a:bodyPr wrap="square" rtlCol="0">
+            <a:spAutoFit/>
+          </a:bodyPr>
+          <a:lstStyle/>
+          <a:p>
+            <a:pPr marL="342900" indent="-342900" algn="l">
+              <a:buFont typeface="Arial" panose="020B0604020202020204" pitchFamily="34" charset="0"/>
+              <a:buChar char="•"/>
+            </a:pPr>
+            <a:r>
+              <a:rPr kumimoji="1" lang="ja-JP" altLang="en-US" sz="2400" dirty="0">
+                <a:latin typeface="Times New Roman" panose="02020603050405020304" pitchFamily="18" charset="0"/>
+                <a:cs typeface="Times New Roman" panose="02020603050405020304" pitchFamily="18" charset="0"/>
+              </a:rPr>
+              <a:t>現状はスケジュールから一週遅れ程度。</a:t>
+            </a:r>
+            <a:endParaRPr kumimoji="1" lang="en-US" altLang="ja-JP" sz="2400" dirty="0">
+              <a:latin typeface="Times New Roman" panose="02020603050405020304" pitchFamily="18" charset="0"/>
+              <a:cs typeface="Times New Roman" panose="02020603050405020304" pitchFamily="18" charset="0"/>
+            </a:endParaRPr>
+          </a:p>
+          <a:p>
+            <a:pPr marL="342900" indent="-342900" algn="l">
+              <a:buFont typeface="Arial" panose="020B0604020202020204" pitchFamily="34" charset="0"/>
+              <a:buChar char="•"/>
+            </a:pPr>
+            <a:endParaRPr lang="en-US" altLang="ja-JP" sz="2400" dirty="0">
+              <a:latin typeface="Times New Roman" panose="02020603050405020304" pitchFamily="18" charset="0"/>
+              <a:cs typeface="Times New Roman" panose="02020603050405020304" pitchFamily="18" charset="0"/>
+            </a:endParaRPr>
+          </a:p>
+          <a:p>
+            <a:pPr marL="342900" indent="-342900" algn="l">
+              <a:buFont typeface="Arial" panose="020B0604020202020204" pitchFamily="34" charset="0"/>
+              <a:buChar char="•"/>
+            </a:pPr>
+            <a:r>
+              <a:rPr kumimoji="1" lang="ja-JP" altLang="en-US" sz="2400" dirty="0">
+                <a:latin typeface="Times New Roman" panose="02020603050405020304" pitchFamily="18" charset="0"/>
+                <a:cs typeface="Times New Roman" panose="02020603050405020304" pitchFamily="18" charset="0"/>
+              </a:rPr>
+              <a:t>乗算回路については現状終了。</a:t>
+            </a:r>
+            <a:endParaRPr kumimoji="1" lang="en-US" altLang="ja-JP" sz="2400" dirty="0">
+              <a:latin typeface="Times New Roman" panose="02020603050405020304" pitchFamily="18" charset="0"/>
+              <a:cs typeface="Times New Roman" panose="02020603050405020304" pitchFamily="18" charset="0"/>
+            </a:endParaRPr>
+          </a:p>
+          <a:p>
+            <a:pPr marL="342900" indent="-342900" algn="l">
+              <a:buFont typeface="Arial" panose="020B0604020202020204" pitchFamily="34" charset="0"/>
+              <a:buChar char="•"/>
+            </a:pPr>
+            <a:endParaRPr lang="en-US" altLang="ja-JP" sz="2400" dirty="0">
+              <a:latin typeface="Times New Roman" panose="02020603050405020304" pitchFamily="18" charset="0"/>
+              <a:cs typeface="Times New Roman" panose="02020603050405020304" pitchFamily="18" charset="0"/>
+            </a:endParaRPr>
+          </a:p>
+          <a:p>
+            <a:pPr marL="342900" indent="-342900" algn="l">
+              <a:buFont typeface="Arial" panose="020B0604020202020204" pitchFamily="34" charset="0"/>
+              <a:buChar char="•"/>
+            </a:pPr>
+            <a:r>
+              <a:rPr kumimoji="1" lang="en-US" altLang="ja-JP" sz="2400" dirty="0">
+                <a:latin typeface="Times New Roman" panose="02020603050405020304" pitchFamily="18" charset="0"/>
+                <a:cs typeface="Times New Roman" panose="02020603050405020304" pitchFamily="18" charset="0"/>
+              </a:rPr>
+              <a:t>TIA</a:t>
+            </a:r>
+            <a:r>
+              <a:rPr kumimoji="1" lang="ja-JP" altLang="en-US" sz="2400" dirty="0">
+                <a:latin typeface="Times New Roman" panose="02020603050405020304" pitchFamily="18" charset="0"/>
+                <a:cs typeface="Times New Roman" panose="02020603050405020304" pitchFamily="18" charset="0"/>
+              </a:rPr>
+              <a:t>の要件と現実から設計を詰める。</a:t>
+            </a:r>
+            <a:endParaRPr kumimoji="1" lang="en-US" altLang="ja-JP" sz="2400" dirty="0">
+              <a:latin typeface="Times New Roman" panose="02020603050405020304" pitchFamily="18" charset="0"/>
+              <a:cs typeface="Times New Roman" panose="02020603050405020304" pitchFamily="18" charset="0"/>
+            </a:endParaRPr>
+          </a:p>
+        </p:txBody>
+      </p:sp>
+    </p:spTree>
+    <p:extLst>
+      <p:ext uri="{BB962C8B-B14F-4D97-AF65-F5344CB8AC3E}">
+        <p14:creationId xmlns:p14="http://schemas.microsoft.com/office/powerpoint/2010/main" val="3587041834"/>
+      </p:ext>
+    </p:extLst>
+  </p:cSld>
+  <p:clrMapOvr>
+    <a:masterClrMapping/>
+  </p:clrMapOvr>
+</p:sld>
+</file>
+
 <file path=ppt/slides/slide2.xml><?xml version="1.0" encoding="utf-8"?>
 <p:sld xmlns:a="http://schemas.openxmlformats.org/drawingml/2006/main" xmlns:r="http://schemas.openxmlformats.org/officeDocument/2006/relationships" xmlns:p="http://schemas.openxmlformats.org/presentationml/2006/main">
   <p:cSld>
@@ -4987,7 +5241,7 @@
           <a:p>
             <a:r>
               <a:rPr kumimoji="1" lang="ja-JP" altLang="en-US" dirty="0"/>
-              <a:t>スケジュールについて</a:t>
+              <a:t>明治のスケジュール</a:t>
             </a:r>
             <a:endParaRPr kumimoji="1" lang="en-US" altLang="ja-JP" dirty="0"/>
           </a:p>
@@ -5249,7 +5503,7 @@
         <p:spPr>
           <a:xfrm>
             <a:off x="1236617" y="3245506"/>
-            <a:ext cx="9718765" cy="1077218"/>
+            <a:ext cx="9718765" cy="584775"/>
           </a:xfrm>
           <a:prstGeom prst="rect">
             <a:avLst/>
@@ -5265,15 +5519,15 @@
             <a:pPr algn="ctr"/>
             <a:r>
               <a:rPr kumimoji="1" lang="ja-JP" altLang="en-US" sz="3200" dirty="0"/>
-              <a:t>明治大での回路設計の進捗を共有し、</a:t>
-            </a:r>
-            <a:endParaRPr kumimoji="1" lang="en-US" altLang="ja-JP" sz="3200" dirty="0"/>
-          </a:p>
-          <a:p>
-            <a:pPr algn="ctr"/>
+              <a:t>明治大での回路設計の進捗を共有</a:t>
+            </a:r>
+            <a:r>
+              <a:rPr lang="ja-JP" altLang="en-US" sz="3200" dirty="0"/>
+              <a:t>する</a:t>
+            </a:r>
             <a:r>
               <a:rPr kumimoji="1" lang="ja-JP" altLang="en-US" sz="3200" dirty="0"/>
-              <a:t>チップ作成におけるスケジュール観をすり合わせる。</a:t>
+              <a:t>。</a:t>
             </a:r>
           </a:p>
         </p:txBody>
@@ -5739,8 +5993,8 @@
             </a:prstGeom>
           </p:spPr>
         </p:pic>
-        <mc:AlternateContent xmlns:mc="http://schemas.openxmlformats.org/markup-compatibility/2006">
-          <mc:Choice xmlns:a14="http://schemas.microsoft.com/office/drawing/2010/main" Requires="a14">
+        <mc:AlternateContent xmlns:mc="http://schemas.openxmlformats.org/markup-compatibility/2006" xmlns:a14="http://schemas.microsoft.com/office/drawing/2010/main">
+          <mc:Choice Requires="a14">
             <p:sp>
               <p:nvSpPr>
                 <p:cNvPr id="8" name="テキスト ボックス 7">
@@ -5799,7 +6053,7 @@
               </p:txBody>
             </p:sp>
           </mc:Choice>
-          <mc:Fallback>
+          <mc:Fallback xmlns="">
             <p:sp>
               <p:nvSpPr>
                 <p:cNvPr id="8" name="テキスト ボックス 7">
@@ -5844,8 +6098,8 @@
             </p:sp>
           </mc:Fallback>
         </mc:AlternateContent>
-        <mc:AlternateContent xmlns:mc="http://schemas.openxmlformats.org/markup-compatibility/2006">
-          <mc:Choice xmlns:a14="http://schemas.microsoft.com/office/drawing/2010/main" Requires="a14">
+        <mc:AlternateContent xmlns:mc="http://schemas.openxmlformats.org/markup-compatibility/2006" xmlns:a14="http://schemas.microsoft.com/office/drawing/2010/main">
+          <mc:Choice Requires="a14">
             <p:sp>
               <p:nvSpPr>
                 <p:cNvPr id="9" name="テキスト ボックス 8">
@@ -5910,7 +6164,7 @@
               </p:txBody>
             </p:sp>
           </mc:Choice>
-          <mc:Fallback>
+          <mc:Fallback xmlns="">
             <p:sp>
               <p:nvSpPr>
                 <p:cNvPr id="9" name="テキスト ボックス 8">
@@ -5955,8 +6209,8 @@
             </p:sp>
           </mc:Fallback>
         </mc:AlternateContent>
-        <mc:AlternateContent xmlns:mc="http://schemas.openxmlformats.org/markup-compatibility/2006">
-          <mc:Choice xmlns:a14="http://schemas.microsoft.com/office/drawing/2010/main" Requires="a14">
+        <mc:AlternateContent xmlns:mc="http://schemas.openxmlformats.org/markup-compatibility/2006" xmlns:a14="http://schemas.microsoft.com/office/drawing/2010/main">
+          <mc:Choice Requires="a14">
             <p:sp>
               <p:nvSpPr>
                 <p:cNvPr id="10" name="テキスト ボックス 9">
@@ -6021,7 +6275,7 @@
               </p:txBody>
             </p:sp>
           </mc:Choice>
-          <mc:Fallback>
+          <mc:Fallback xmlns="">
             <p:sp>
               <p:nvSpPr>
                 <p:cNvPr id="10" name="テキスト ボックス 9">
@@ -6066,8 +6320,8 @@
             </p:sp>
           </mc:Fallback>
         </mc:AlternateContent>
-        <mc:AlternateContent xmlns:mc="http://schemas.openxmlformats.org/markup-compatibility/2006">
-          <mc:Choice xmlns:a14="http://schemas.microsoft.com/office/drawing/2010/main" Requires="a14">
+        <mc:AlternateContent xmlns:mc="http://schemas.openxmlformats.org/markup-compatibility/2006" xmlns:a14="http://schemas.microsoft.com/office/drawing/2010/main">
+          <mc:Choice Requires="a14">
             <p:sp>
               <p:nvSpPr>
                 <p:cNvPr id="11" name="テキスト ボックス 10">
@@ -6132,7 +6386,7 @@
               </p:txBody>
             </p:sp>
           </mc:Choice>
-          <mc:Fallback>
+          <mc:Fallback xmlns="">
             <p:sp>
               <p:nvSpPr>
                 <p:cNvPr id="11" name="テキスト ボックス 10">
@@ -6177,8 +6431,8 @@
             </p:sp>
           </mc:Fallback>
         </mc:AlternateContent>
-        <mc:AlternateContent xmlns:mc="http://schemas.openxmlformats.org/markup-compatibility/2006">
-          <mc:Choice xmlns:a14="http://schemas.microsoft.com/office/drawing/2010/main" Requires="a14">
+        <mc:AlternateContent xmlns:mc="http://schemas.openxmlformats.org/markup-compatibility/2006" xmlns:a14="http://schemas.microsoft.com/office/drawing/2010/main">
+          <mc:Choice Requires="a14">
             <p:sp>
               <p:nvSpPr>
                 <p:cNvPr id="12" name="テキスト ボックス 11">
@@ -6237,7 +6491,7 @@
               </p:txBody>
             </p:sp>
           </mc:Choice>
-          <mc:Fallback>
+          <mc:Fallback xmlns="">
             <p:sp>
               <p:nvSpPr>
                 <p:cNvPr id="12" name="テキスト ボックス 11">
@@ -6282,8 +6536,8 @@
             </p:sp>
           </mc:Fallback>
         </mc:AlternateContent>
-        <mc:AlternateContent xmlns:mc="http://schemas.openxmlformats.org/markup-compatibility/2006">
-          <mc:Choice xmlns:a14="http://schemas.microsoft.com/office/drawing/2010/main" Requires="a14">
+        <mc:AlternateContent xmlns:mc="http://schemas.openxmlformats.org/markup-compatibility/2006" xmlns:a14="http://schemas.microsoft.com/office/drawing/2010/main">
+          <mc:Choice Requires="a14">
             <p:sp>
               <p:nvSpPr>
                 <p:cNvPr id="13" name="テキスト ボックス 12">
@@ -6352,7 +6606,7 @@
               </p:txBody>
             </p:sp>
           </mc:Choice>
-          <mc:Fallback>
+          <mc:Fallback xmlns="">
             <p:sp>
               <p:nvSpPr>
                 <p:cNvPr id="13" name="テキスト ボックス 12">
@@ -6398,8 +6652,8 @@
           </mc:Fallback>
         </mc:AlternateContent>
       </p:grpSp>
-      <mc:AlternateContent xmlns:mc="http://schemas.openxmlformats.org/markup-compatibility/2006">
-        <mc:Choice xmlns:a14="http://schemas.microsoft.com/office/drawing/2010/main" Requires="a14">
+      <mc:AlternateContent xmlns:mc="http://schemas.openxmlformats.org/markup-compatibility/2006" xmlns:a14="http://schemas.microsoft.com/office/drawing/2010/main">
+        <mc:Choice Requires="a14">
           <p:sp>
             <p:nvSpPr>
               <p:cNvPr id="15" name="テキスト ボックス 14">
@@ -6528,7 +6782,7 @@
             </p:txBody>
           </p:sp>
         </mc:Choice>
-        <mc:Fallback>
+        <mc:Fallback xmlns="">
           <p:sp>
             <p:nvSpPr>
               <p:cNvPr id="15" name="テキスト ボックス 14">
@@ -6573,8 +6827,8 @@
           </p:sp>
         </mc:Fallback>
       </mc:AlternateContent>
-      <mc:AlternateContent xmlns:mc="http://schemas.openxmlformats.org/markup-compatibility/2006">
-        <mc:Choice xmlns:a14="http://schemas.microsoft.com/office/drawing/2010/main" Requires="a14">
+      <mc:AlternateContent xmlns:mc="http://schemas.openxmlformats.org/markup-compatibility/2006" xmlns:a14="http://schemas.microsoft.com/office/drawing/2010/main">
+        <mc:Choice Requires="a14">
           <p:sp>
             <p:nvSpPr>
               <p:cNvPr id="16" name="テキスト ボックス 15">
@@ -6635,7 +6889,7 @@
             </p:txBody>
           </p:sp>
         </mc:Choice>
-        <mc:Fallback>
+        <mc:Fallback xmlns="">
           <p:sp>
             <p:nvSpPr>
               <p:cNvPr id="16" name="テキスト ボックス 15">
@@ -6865,8 +7119,8 @@
           </a:prstGeom>
         </p:spPr>
       </p:pic>
-      <mc:AlternateContent xmlns:mc="http://schemas.openxmlformats.org/markup-compatibility/2006">
-        <mc:Choice xmlns:a14="http://schemas.microsoft.com/office/drawing/2010/main" Requires="a14">
+      <mc:AlternateContent xmlns:mc="http://schemas.openxmlformats.org/markup-compatibility/2006" xmlns:a14="http://schemas.microsoft.com/office/drawing/2010/main">
+        <mc:Choice Requires="a14">
           <p:sp>
             <p:nvSpPr>
               <p:cNvPr id="7" name="テキスト ボックス 6">
@@ -7025,14 +7279,7 @@
                         <a:latin typeface="Cambria Math" panose="02040503050406030204" pitchFamily="18" charset="0"/>
                         <a:cs typeface="Times New Roman" panose="02020603050405020304" pitchFamily="18" charset="0"/>
                       </a:rPr>
-                      <m:t>0</m:t>
-                    </m:r>
-                    <m:r>
-                      <a:rPr lang="en-US" altLang="ja-JP" sz="2400" b="0" i="1" smtClean="0">
-                        <a:latin typeface="Cambria Math" panose="02040503050406030204" pitchFamily="18" charset="0"/>
-                        <a:cs typeface="Times New Roman" panose="02020603050405020304" pitchFamily="18" charset="0"/>
-                      </a:rPr>
-                      <m:t> </m:t>
+                      <m:t>0 </m:t>
                     </m:r>
                     <m:r>
                       <m:rPr>
@@ -7117,7 +7364,7 @@
             </p:txBody>
           </p:sp>
         </mc:Choice>
-        <mc:Fallback>
+        <mc:Fallback xmlns="">
           <p:sp>
             <p:nvSpPr>
               <p:cNvPr id="7" name="テキスト ボックス 6">
@@ -8414,8 +8661,8 @@
           </a:prstGeom>
         </p:spPr>
       </p:pic>
-      <mc:AlternateContent xmlns:mc="http://schemas.openxmlformats.org/markup-compatibility/2006">
-        <mc:Choice xmlns:a14="http://schemas.microsoft.com/office/drawing/2010/main" Requires="a14">
+      <mc:AlternateContent xmlns:mc="http://schemas.openxmlformats.org/markup-compatibility/2006" xmlns:a14="http://schemas.microsoft.com/office/drawing/2010/main">
+        <mc:Choice Requires="a14">
           <p:sp>
             <p:nvSpPr>
               <p:cNvPr id="7" name="テキスト ボックス 6">
@@ -8530,7 +8777,7 @@
             </p:txBody>
           </p:sp>
         </mc:Choice>
-        <mc:Fallback>
+        <mc:Fallback xmlns="">
           <p:sp>
             <p:nvSpPr>
               <p:cNvPr id="7" name="テキスト ボックス 6">
@@ -8579,6 +8826,182 @@
     <p:extLst>
       <p:ext uri="{BB962C8B-B14F-4D97-AF65-F5344CB8AC3E}">
         <p14:creationId xmlns:p14="http://schemas.microsoft.com/office/powerpoint/2010/main" val="1480887978"/>
+      </p:ext>
+    </p:extLst>
+  </p:cSld>
+  <p:clrMapOvr>
+    <a:masterClrMapping/>
+  </p:clrMapOvr>
+</p:sld>
+</file>
+
+<file path=ppt/slides/slide9.xml><?xml version="1.0" encoding="utf-8"?>
+<p:sld xmlns:a="http://schemas.openxmlformats.org/drawingml/2006/main" xmlns:r="http://schemas.openxmlformats.org/officeDocument/2006/relationships" xmlns:p="http://schemas.openxmlformats.org/presentationml/2006/main">
+  <p:cSld>
+    <p:spTree>
+      <p:nvGrpSpPr>
+        <p:cNvPr id="1" name=""/>
+        <p:cNvGrpSpPr/>
+        <p:nvPr/>
+      </p:nvGrpSpPr>
+      <p:grpSpPr>
+        <a:xfrm>
+          <a:off x="0" y="0"/>
+          <a:ext cx="0" cy="0"/>
+          <a:chOff x="0" y="0"/>
+          <a:chExt cx="0" cy="0"/>
+        </a:xfrm>
+      </p:grpSpPr>
+      <p:sp>
+        <p:nvSpPr>
+          <p:cNvPr id="2" name="タイトル 1">
+            <a:extLst>
+              <a:ext uri="{FF2B5EF4-FFF2-40B4-BE49-F238E27FC236}">
+                <a16:creationId xmlns:a16="http://schemas.microsoft.com/office/drawing/2014/main" id="{B6406E11-3A7A-60AF-3FC1-A854F1629C73}"/>
+              </a:ext>
+            </a:extLst>
+          </p:cNvPr>
+          <p:cNvSpPr>
+            <a:spLocks noGrp="1"/>
+          </p:cNvSpPr>
+          <p:nvPr>
+            <p:ph type="title"/>
+          </p:nvPr>
+        </p:nvSpPr>
+        <p:spPr/>
+        <p:txBody>
+          <a:bodyPr/>
+          <a:lstStyle/>
+          <a:p>
+            <a:r>
+              <a:rPr kumimoji="1" lang="ja-JP" altLang="en-US" dirty="0"/>
+              <a:t>明治のスケジュール</a:t>
+            </a:r>
+            <a:endParaRPr kumimoji="1" lang="en-US" altLang="ja-JP" dirty="0"/>
+          </a:p>
+        </p:txBody>
+      </p:sp>
+      <p:sp>
+        <p:nvSpPr>
+          <p:cNvPr id="3" name="日付プレースホルダー 2">
+            <a:extLst>
+              <a:ext uri="{FF2B5EF4-FFF2-40B4-BE49-F238E27FC236}">
+                <a16:creationId xmlns:a16="http://schemas.microsoft.com/office/drawing/2014/main" id="{5F960B65-C1EF-90C4-0DB4-42FB3E4F6918}"/>
+              </a:ext>
+            </a:extLst>
+          </p:cNvPr>
+          <p:cNvSpPr>
+            <a:spLocks noGrp="1"/>
+          </p:cNvSpPr>
+          <p:nvPr>
+            <p:ph type="dt" sz="half" idx="10"/>
+          </p:nvPr>
+        </p:nvSpPr>
+        <p:spPr/>
+        <p:txBody>
+          <a:bodyPr/>
+          <a:lstStyle/>
+          <a:p>
+            <a:fld id="{EEA6A375-72BC-45FC-83AA-00EA8839FC12}" type="datetime1">
+              <a:rPr kumimoji="1" lang="ja-JP" altLang="en-US" smtClean="0"/>
+              <a:t>2024/6/23</a:t>
+            </a:fld>
+            <a:endParaRPr kumimoji="1" lang="ja-JP" altLang="en-US"/>
+          </a:p>
+        </p:txBody>
+      </p:sp>
+      <p:sp>
+        <p:nvSpPr>
+          <p:cNvPr id="4" name="スライド番号プレースホルダー 3">
+            <a:extLst>
+              <a:ext uri="{FF2B5EF4-FFF2-40B4-BE49-F238E27FC236}">
+                <a16:creationId xmlns:a16="http://schemas.microsoft.com/office/drawing/2014/main" id="{634F2FB9-688B-736A-020B-28C76E2D6F29}"/>
+              </a:ext>
+            </a:extLst>
+          </p:cNvPr>
+          <p:cNvSpPr>
+            <a:spLocks noGrp="1"/>
+          </p:cNvSpPr>
+          <p:nvPr>
+            <p:ph type="sldNum" sz="quarter" idx="12"/>
+          </p:nvPr>
+        </p:nvSpPr>
+        <p:spPr/>
+        <p:txBody>
+          <a:bodyPr/>
+          <a:lstStyle/>
+          <a:p>
+            <a:fld id="{6294761A-CFE9-4878-87A7-90ECABD59CE5}" type="slidenum">
+              <a:rPr kumimoji="1" lang="ja-JP" altLang="en-US" smtClean="0"/>
+              <a:t>9</a:t>
+            </a:fld>
+            <a:endParaRPr kumimoji="1" lang="ja-JP" altLang="en-US"/>
+          </a:p>
+        </p:txBody>
+      </p:sp>
+      <p:sp>
+        <p:nvSpPr>
+          <p:cNvPr id="5" name="フッター プレースホルダー 4">
+            <a:extLst>
+              <a:ext uri="{FF2B5EF4-FFF2-40B4-BE49-F238E27FC236}">
+                <a16:creationId xmlns:a16="http://schemas.microsoft.com/office/drawing/2014/main" id="{561B4194-4A3D-FFFA-2262-1621C21DD2E2}"/>
+              </a:ext>
+            </a:extLst>
+          </p:cNvPr>
+          <p:cNvSpPr>
+            <a:spLocks noGrp="1"/>
+          </p:cNvSpPr>
+          <p:nvPr>
+            <p:ph type="ftr" sz="quarter" idx="3"/>
+          </p:nvPr>
+        </p:nvSpPr>
+        <p:spPr/>
+        <p:txBody>
+          <a:bodyPr/>
+          <a:lstStyle/>
+          <a:p>
+            <a:r>
+              <a:rPr lang="en-US" altLang="ja-JP"/>
+              <a:t>Wave Signal Processing Circuit Laboratory,  Meiji University</a:t>
+            </a:r>
+            <a:endParaRPr lang="en-US" altLang="ja-JP" dirty="0"/>
+          </a:p>
+        </p:txBody>
+      </p:sp>
+      <p:pic>
+        <p:nvPicPr>
+          <p:cNvPr id="6" name="図 5">
+            <a:extLst>
+              <a:ext uri="{FF2B5EF4-FFF2-40B4-BE49-F238E27FC236}">
+                <a16:creationId xmlns:a16="http://schemas.microsoft.com/office/drawing/2014/main" id="{995CAE3C-EE6A-AB37-7E32-BF98E86B6A61}"/>
+              </a:ext>
+            </a:extLst>
+          </p:cNvPr>
+          <p:cNvPicPr>
+            <a:picLocks noChangeAspect="1"/>
+          </p:cNvPicPr>
+          <p:nvPr/>
+        </p:nvPicPr>
+        <p:blipFill>
+          <a:blip r:embed="rId2"/>
+          <a:stretch>
+            <a:fillRect/>
+          </a:stretch>
+        </p:blipFill>
+        <p:spPr>
+          <a:xfrm>
+            <a:off x="0" y="1113692"/>
+            <a:ext cx="12192000" cy="5459104"/>
+          </a:xfrm>
+          <a:prstGeom prst="rect">
+            <a:avLst/>
+          </a:prstGeom>
+        </p:spPr>
+      </p:pic>
+    </p:spTree>
+    <p:extLst>
+      <p:ext uri="{BB962C8B-B14F-4D97-AF65-F5344CB8AC3E}">
+        <p14:creationId xmlns:p14="http://schemas.microsoft.com/office/powerpoint/2010/main" val="3095123086"/>
       </p:ext>
     </p:extLst>
   </p:cSld>
